--- a/slides for meetings/meeting Feb 19.pptx
+++ b/slides for meetings/meeting Feb 19.pptx
@@ -3073,7 +3073,31 @@
         <p:spPr>
           <a:xfrm>
             <a:off x="1637665" y="3166745"/>
-            <a:ext cx="3103245" cy="2075180"/>
+            <a:ext cx="3184525" cy="2129790"/>
+          </a:xfrm>
+          <a:prstGeom prst="rect">
+            <a:avLst/>
+          </a:prstGeom>
+        </p:spPr>
+      </p:pic>
+      <p:pic>
+        <p:nvPicPr>
+          <p:cNvPr id="3" name="图片 2"/>
+          <p:cNvPicPr>
+            <a:picLocks noChangeAspect="1"/>
+          </p:cNvPicPr>
+          <p:nvPr/>
+        </p:nvPicPr>
+        <p:blipFill>
+          <a:blip r:embed="rId2"/>
+          <a:stretch>
+            <a:fillRect/>
+          </a:stretch>
+        </p:blipFill>
+        <p:spPr>
+          <a:xfrm>
+            <a:off x="5687060" y="3094355"/>
+            <a:ext cx="3891915" cy="2234565"/>
           </a:xfrm>
           <a:prstGeom prst="rect">
             <a:avLst/>
@@ -5543,7 +5567,7 @@
         </p:nvSpPr>
         <p:spPr>
           <a:xfrm>
-            <a:off x="3194685" y="4211955"/>
+            <a:off x="1951355" y="4330065"/>
             <a:ext cx="829945" cy="340360"/>
           </a:xfrm>
           <a:prstGeom prst="rightArrow">
@@ -5584,8 +5608,8 @@
         </p:nvSpPr>
         <p:spPr>
           <a:xfrm>
-            <a:off x="295910" y="3927475"/>
-            <a:ext cx="3258185" cy="1823720"/>
+            <a:off x="273685" y="4086225"/>
+            <a:ext cx="1836420" cy="1823720"/>
           </a:xfrm>
           <a:prstGeom prst="rect">
             <a:avLst/>
@@ -5615,7 +5639,7 @@
           <a:p>
             <a:pPr algn="l"/>
             <a:r>
-              <a:rPr lang="en-US" altLang="zh-CN" sz="3600">
+              <a:rPr lang="en-US" altLang="zh-CN" sz="2800">
                 <a:solidFill>
                   <a:schemeClr val="bg1">
                     <a:lumMod val="95000"/>
@@ -5625,7 +5649,7 @@
               </a:rPr>
               <a:t>discrete on 32 sample points on [0,a]</a:t>
             </a:r>
-            <a:endParaRPr lang="en-US" altLang="zh-CN" sz="3600">
+            <a:endParaRPr lang="en-US" altLang="zh-CN" sz="2800">
               <a:solidFill>
                 <a:schemeClr val="bg1">
                   <a:lumMod val="95000"/>
@@ -5636,12 +5660,13 @@
           </a:p>
           <a:p>
             <a:pPr algn="l"/>
-            <a:endParaRPr lang="en-US" altLang="zh-CN" sz="3600">
+            <a:endParaRPr lang="en-US" altLang="zh-CN" sz="2800">
               <a:solidFill>
                 <a:schemeClr val="bg1">
                   <a:lumMod val="95000"/>
                 </a:schemeClr>
               </a:solidFill>
+              <a:sym typeface="+mn-ea"/>
             </a:endParaRPr>
           </a:p>
         </p:txBody>
@@ -5656,8 +5681,8 @@
         </p:nvSpPr>
         <p:spPr>
           <a:xfrm>
-            <a:off x="4074160" y="3529965"/>
-            <a:ext cx="3138805" cy="2623820"/>
+            <a:off x="2781300" y="3278505"/>
+            <a:ext cx="2461895" cy="2623820"/>
           </a:xfrm>
           <a:prstGeom prst="rect">
             <a:avLst/>
@@ -5687,7 +5712,7 @@
           <a:p>
             <a:pPr algn="l"/>
             <a:r>
-              <a:rPr lang="en-US" altLang="zh-CN" sz="3600">
+              <a:rPr lang="en-US" altLang="zh-CN" sz="2800">
                 <a:solidFill>
                   <a:schemeClr val="bg1">
                     <a:lumMod val="95000"/>
@@ -5696,7 +5721,7 @@
               </a:rPr>
               <a:t>Bressel approximation formula for interference terms</a:t>
             </a:r>
-            <a:endParaRPr lang="en-US" altLang="zh-CN" sz="3600">
+            <a:endParaRPr lang="en-US" altLang="zh-CN" sz="2800">
               <a:solidFill>
                 <a:schemeClr val="bg1">
                   <a:lumMod val="95000"/>
@@ -5713,9 +5738,9 @@
           <p:nvPr/>
         </p:nvSpPr>
         <p:spPr>
-          <a:xfrm rot="19020000">
-            <a:off x="5775325" y="3262630"/>
-            <a:ext cx="1248410" cy="340360"/>
+          <a:xfrm>
+            <a:off x="5092065" y="4295140"/>
+            <a:ext cx="693420" cy="340360"/>
           </a:xfrm>
           <a:prstGeom prst="rightArrow">
             <a:avLst/>
@@ -5755,8 +5780,8 @@
         </p:nvSpPr>
         <p:spPr>
           <a:xfrm>
-            <a:off x="7178675" y="869950"/>
-            <a:ext cx="4064635" cy="2202180"/>
+            <a:off x="5969000" y="3775075"/>
+            <a:ext cx="1805305" cy="2298065"/>
           </a:xfrm>
           <a:prstGeom prst="rect">
             <a:avLst/>
@@ -5786,7 +5811,7 @@
           <a:p>
             <a:pPr algn="l"/>
             <a:r>
-              <a:rPr lang="en-US" altLang="zh-CN" sz="3200">
+              <a:rPr lang="en-US" altLang="zh-CN" sz="2400">
                 <a:solidFill>
                   <a:schemeClr val="bg1">
                     <a:lumMod val="95000"/>
@@ -5795,7 +5820,7 @@
               </a:rPr>
               <a:t>accumulate the real part and imaginary part of complex numbers</a:t>
             </a:r>
-            <a:endParaRPr lang="en-US" altLang="zh-CN" sz="3200">
+            <a:endParaRPr lang="en-US" altLang="zh-CN" sz="2400">
               <a:solidFill>
                 <a:schemeClr val="bg1">
                   <a:lumMod val="95000"/>
@@ -5812,8 +5837,8 @@
           <p:nvPr/>
         </p:nvSpPr>
         <p:spPr>
-          <a:xfrm rot="5400000">
-            <a:off x="8476615" y="3197225"/>
+          <a:xfrm>
+            <a:off x="7832090" y="4248785"/>
             <a:ext cx="672465" cy="340360"/>
           </a:xfrm>
           <a:prstGeom prst="rightArrow">
@@ -5854,8 +5879,8 @@
         </p:nvSpPr>
         <p:spPr>
           <a:xfrm>
-            <a:off x="7262495" y="2976880"/>
-            <a:ext cx="4064635" cy="2202180"/>
+            <a:off x="8879205" y="3700145"/>
+            <a:ext cx="1902460" cy="2202180"/>
           </a:xfrm>
           <a:prstGeom prst="rect">
             <a:avLst/>
@@ -5885,7 +5910,7 @@
           <a:p>
             <a:pPr algn="l"/>
             <a:r>
-              <a:rPr lang="en-US" altLang="zh-CN" sz="3200">
+              <a:rPr lang="en-US" altLang="zh-CN" sz="2400">
                 <a:solidFill>
                   <a:schemeClr val="bg1">
                     <a:lumMod val="95000"/>
@@ -5894,7 +5919,7 @@
               </a:rPr>
               <a:t>map intensity of light to colorspace, 3D data already in shader</a:t>
             </a:r>
-            <a:endParaRPr lang="en-US" altLang="zh-CN" sz="3200">
+            <a:endParaRPr lang="en-US" altLang="zh-CN" sz="2400">
               <a:solidFill>
                 <a:schemeClr val="bg1">
                   <a:lumMod val="95000"/>
@@ -5914,7 +5939,7 @@
         </p:nvSpPr>
         <p:spPr>
           <a:xfrm>
-            <a:off x="7125970" y="5293360"/>
+            <a:off x="6672580" y="1686560"/>
             <a:ext cx="4959985" cy="1564640"/>
           </a:xfrm>
           <a:prstGeom prst="rect">
